--- a/3.pptx
+++ b/3.pptx
@@ -1,9 +1,13 @@
 
 <file path=ppt/presentation.xml><?xml version="1.0" encoding="utf-8"?>
-<p:presentation xmlns:a="http://schemas.openxmlformats.org/drawingml/2006/main" xmlns:r="http://schemas.openxmlformats.org/officeDocument/2006/relationships" xmlns:p="http://schemas.openxmlformats.org/presentationml/2006/main" saveSubsetFonts="1">
+<p:presentation xmlns:a="http://schemas.openxmlformats.org/drawingml/2006/main" xmlns:r="http://schemas.openxmlformats.org/officeDocument/2006/relationships" xmlns:p="http://schemas.openxmlformats.org/presentationml/2006/main">
   <p:sldMasterIdLst>
     <p:sldMasterId id="2147483648" r:id="rId1"/>
   </p:sldMasterIdLst>
+  <p:sldIdLst>
+    <p:sldId id="256" r:id="rId3"/>
+    <p:sldId id="257" r:id="rId4"/>
+  </p:sldIdLst>
   <p:sldSz cx="12192000" cy="6858000"/>
   <p:notesSz cx="6858000" cy="9144000"/>
   <p:defaultTextStyle>
@@ -235,7 +239,6 @@
           <a:p>
             <a:fld id="{D997B5FA-0921-464F-AAE1-844C04324D75}" type="datetimeFigureOut">
               <a:rPr lang="zh-CN" altLang="en-US" smtClean="0"/>
-              <a:t>2015/5/5</a:t>
             </a:fld>
             <a:endParaRPr lang="zh-CN" altLang="en-US"/>
           </a:p>
@@ -277,18 +280,12 @@
           <a:p>
             <a:fld id="{565CE74E-AB26-4998-AD42-012C4C1AD076}" type="slidenum">
               <a:rPr lang="zh-CN" altLang="en-US" smtClean="0"/>
-              <a:t>‹#›</a:t>
             </a:fld>
             <a:endParaRPr lang="zh-CN" altLang="en-US"/>
           </a:p>
         </p:txBody>
       </p:sp>
     </p:spTree>
-    <p:extLst>
-      <p:ext uri="{BB962C8B-B14F-4D97-AF65-F5344CB8AC3E}">
-        <p14:creationId xmlns:p14="http://schemas.microsoft.com/office/powerpoint/2010/main" val="3051827620"/>
-      </p:ext>
-    </p:extLst>
   </p:cSld>
   <p:clrMapOvr>
     <a:masterClrMapping/>
@@ -356,6 +353,7 @@
               <a:rPr lang="zh-CN" altLang="en-US" smtClean="0"/>
               <a:t>单击此处编辑母版文本样式</a:t>
             </a:r>
+            <a:endParaRPr lang="zh-CN" altLang="en-US" smtClean="0"/>
           </a:p>
           <a:p>
             <a:pPr lvl="1"/>
@@ -363,6 +361,7 @@
               <a:rPr lang="zh-CN" altLang="en-US" smtClean="0"/>
               <a:t>第二级</a:t>
             </a:r>
+            <a:endParaRPr lang="zh-CN" altLang="en-US" smtClean="0"/>
           </a:p>
           <a:p>
             <a:pPr lvl="2"/>
@@ -370,6 +369,7 @@
               <a:rPr lang="zh-CN" altLang="en-US" smtClean="0"/>
               <a:t>第三级</a:t>
             </a:r>
+            <a:endParaRPr lang="zh-CN" altLang="en-US" smtClean="0"/>
           </a:p>
           <a:p>
             <a:pPr lvl="3"/>
@@ -377,6 +377,7 @@
               <a:rPr lang="zh-CN" altLang="en-US" smtClean="0"/>
               <a:t>第四级</a:t>
             </a:r>
+            <a:endParaRPr lang="zh-CN" altLang="en-US" smtClean="0"/>
           </a:p>
           <a:p>
             <a:pPr lvl="4"/>
@@ -405,7 +406,6 @@
           <a:p>
             <a:fld id="{D997B5FA-0921-464F-AAE1-844C04324D75}" type="datetimeFigureOut">
               <a:rPr lang="zh-CN" altLang="en-US" smtClean="0"/>
-              <a:t>2015/5/5</a:t>
             </a:fld>
             <a:endParaRPr lang="zh-CN" altLang="en-US"/>
           </a:p>
@@ -447,18 +447,12 @@
           <a:p>
             <a:fld id="{565CE74E-AB26-4998-AD42-012C4C1AD076}" type="slidenum">
               <a:rPr lang="zh-CN" altLang="en-US" smtClean="0"/>
-              <a:t>‹#›</a:t>
             </a:fld>
             <a:endParaRPr lang="zh-CN" altLang="en-US"/>
           </a:p>
         </p:txBody>
       </p:sp>
     </p:spTree>
-    <p:extLst>
-      <p:ext uri="{BB962C8B-B14F-4D97-AF65-F5344CB8AC3E}">
-        <p14:creationId xmlns:p14="http://schemas.microsoft.com/office/powerpoint/2010/main" val="3188717747"/>
-      </p:ext>
-    </p:extLst>
   </p:cSld>
   <p:clrMapOvr>
     <a:masterClrMapping/>
@@ -536,6 +530,7 @@
               <a:rPr lang="zh-CN" altLang="en-US" smtClean="0"/>
               <a:t>单击此处编辑母版文本样式</a:t>
             </a:r>
+            <a:endParaRPr lang="zh-CN" altLang="en-US" smtClean="0"/>
           </a:p>
           <a:p>
             <a:pPr lvl="1"/>
@@ -543,6 +538,7 @@
               <a:rPr lang="zh-CN" altLang="en-US" smtClean="0"/>
               <a:t>第二级</a:t>
             </a:r>
+            <a:endParaRPr lang="zh-CN" altLang="en-US" smtClean="0"/>
           </a:p>
           <a:p>
             <a:pPr lvl="2"/>
@@ -550,6 +546,7 @@
               <a:rPr lang="zh-CN" altLang="en-US" smtClean="0"/>
               <a:t>第三级</a:t>
             </a:r>
+            <a:endParaRPr lang="zh-CN" altLang="en-US" smtClean="0"/>
           </a:p>
           <a:p>
             <a:pPr lvl="3"/>
@@ -557,6 +554,7 @@
               <a:rPr lang="zh-CN" altLang="en-US" smtClean="0"/>
               <a:t>第四级</a:t>
             </a:r>
+            <a:endParaRPr lang="zh-CN" altLang="en-US" smtClean="0"/>
           </a:p>
           <a:p>
             <a:pPr lvl="4"/>
@@ -585,7 +583,6 @@
           <a:p>
             <a:fld id="{D997B5FA-0921-464F-AAE1-844C04324D75}" type="datetimeFigureOut">
               <a:rPr lang="zh-CN" altLang="en-US" smtClean="0"/>
-              <a:t>2015/5/5</a:t>
             </a:fld>
             <a:endParaRPr lang="zh-CN" altLang="en-US"/>
           </a:p>
@@ -627,18 +624,12 @@
           <a:p>
             <a:fld id="{565CE74E-AB26-4998-AD42-012C4C1AD076}" type="slidenum">
               <a:rPr lang="zh-CN" altLang="en-US" smtClean="0"/>
-              <a:t>‹#›</a:t>
             </a:fld>
             <a:endParaRPr lang="zh-CN" altLang="en-US"/>
           </a:p>
         </p:txBody>
       </p:sp>
     </p:spTree>
-    <p:extLst>
-      <p:ext uri="{BB962C8B-B14F-4D97-AF65-F5344CB8AC3E}">
-        <p14:creationId xmlns:p14="http://schemas.microsoft.com/office/powerpoint/2010/main" val="4025501431"/>
-      </p:ext>
-    </p:extLst>
   </p:cSld>
   <p:clrMapOvr>
     <a:masterClrMapping/>
@@ -706,6 +697,7 @@
               <a:rPr lang="zh-CN" altLang="en-US" smtClean="0"/>
               <a:t>单击此处编辑母版文本样式</a:t>
             </a:r>
+            <a:endParaRPr lang="zh-CN" altLang="en-US" smtClean="0"/>
           </a:p>
           <a:p>
             <a:pPr lvl="1"/>
@@ -713,6 +705,7 @@
               <a:rPr lang="zh-CN" altLang="en-US" smtClean="0"/>
               <a:t>第二级</a:t>
             </a:r>
+            <a:endParaRPr lang="zh-CN" altLang="en-US" smtClean="0"/>
           </a:p>
           <a:p>
             <a:pPr lvl="2"/>
@@ -720,6 +713,7 @@
               <a:rPr lang="zh-CN" altLang="en-US" smtClean="0"/>
               <a:t>第三级</a:t>
             </a:r>
+            <a:endParaRPr lang="zh-CN" altLang="en-US" smtClean="0"/>
           </a:p>
           <a:p>
             <a:pPr lvl="3"/>
@@ -727,6 +721,7 @@
               <a:rPr lang="zh-CN" altLang="en-US" smtClean="0"/>
               <a:t>第四级</a:t>
             </a:r>
+            <a:endParaRPr lang="zh-CN" altLang="en-US" smtClean="0"/>
           </a:p>
           <a:p>
             <a:pPr lvl="4"/>
@@ -755,7 +750,6 @@
           <a:p>
             <a:fld id="{D997B5FA-0921-464F-AAE1-844C04324D75}" type="datetimeFigureOut">
               <a:rPr lang="zh-CN" altLang="en-US" smtClean="0"/>
-              <a:t>2015/5/5</a:t>
             </a:fld>
             <a:endParaRPr lang="zh-CN" altLang="en-US"/>
           </a:p>
@@ -797,18 +791,12 @@
           <a:p>
             <a:fld id="{565CE74E-AB26-4998-AD42-012C4C1AD076}" type="slidenum">
               <a:rPr lang="zh-CN" altLang="en-US" smtClean="0"/>
-              <a:t>‹#›</a:t>
             </a:fld>
             <a:endParaRPr lang="zh-CN" altLang="en-US"/>
           </a:p>
         </p:txBody>
       </p:sp>
     </p:spTree>
-    <p:extLst>
-      <p:ext uri="{BB962C8B-B14F-4D97-AF65-F5344CB8AC3E}">
-        <p14:creationId xmlns:p14="http://schemas.microsoft.com/office/powerpoint/2010/main" val="598653943"/>
-      </p:ext>
-    </p:extLst>
   </p:cSld>
   <p:clrMapOvr>
     <a:masterClrMapping/>
@@ -981,6 +969,7 @@
               <a:rPr lang="zh-CN" altLang="en-US" smtClean="0"/>
               <a:t>单击此处编辑母版文本样式</a:t>
             </a:r>
+            <a:endParaRPr lang="zh-CN" altLang="en-US" smtClean="0"/>
           </a:p>
         </p:txBody>
       </p:sp>
@@ -1001,7 +990,6 @@
           <a:p>
             <a:fld id="{D997B5FA-0921-464F-AAE1-844C04324D75}" type="datetimeFigureOut">
               <a:rPr lang="zh-CN" altLang="en-US" smtClean="0"/>
-              <a:t>2015/5/5</a:t>
             </a:fld>
             <a:endParaRPr lang="zh-CN" altLang="en-US"/>
           </a:p>
@@ -1043,18 +1031,12 @@
           <a:p>
             <a:fld id="{565CE74E-AB26-4998-AD42-012C4C1AD076}" type="slidenum">
               <a:rPr lang="zh-CN" altLang="en-US" smtClean="0"/>
-              <a:t>‹#›</a:t>
             </a:fld>
             <a:endParaRPr lang="zh-CN" altLang="en-US"/>
           </a:p>
         </p:txBody>
       </p:sp>
     </p:spTree>
-    <p:extLst>
-      <p:ext uri="{BB962C8B-B14F-4D97-AF65-F5344CB8AC3E}">
-        <p14:creationId xmlns:p14="http://schemas.microsoft.com/office/powerpoint/2010/main" val="1612184157"/>
-      </p:ext>
-    </p:extLst>
   </p:cSld>
   <p:clrMapOvr>
     <a:masterClrMapping/>
@@ -1127,6 +1109,7 @@
               <a:rPr lang="zh-CN" altLang="en-US" smtClean="0"/>
               <a:t>单击此处编辑母版文本样式</a:t>
             </a:r>
+            <a:endParaRPr lang="zh-CN" altLang="en-US" smtClean="0"/>
           </a:p>
           <a:p>
             <a:pPr lvl="1"/>
@@ -1134,6 +1117,7 @@
               <a:rPr lang="zh-CN" altLang="en-US" smtClean="0"/>
               <a:t>第二级</a:t>
             </a:r>
+            <a:endParaRPr lang="zh-CN" altLang="en-US" smtClean="0"/>
           </a:p>
           <a:p>
             <a:pPr lvl="2"/>
@@ -1141,6 +1125,7 @@
               <a:rPr lang="zh-CN" altLang="en-US" smtClean="0"/>
               <a:t>第三级</a:t>
             </a:r>
+            <a:endParaRPr lang="zh-CN" altLang="en-US" smtClean="0"/>
           </a:p>
           <a:p>
             <a:pPr lvl="3"/>
@@ -1148,6 +1133,7 @@
               <a:rPr lang="zh-CN" altLang="en-US" smtClean="0"/>
               <a:t>第四级</a:t>
             </a:r>
+            <a:endParaRPr lang="zh-CN" altLang="en-US" smtClean="0"/>
           </a:p>
           <a:p>
             <a:pPr lvl="4"/>
@@ -1184,6 +1170,7 @@
               <a:rPr lang="zh-CN" altLang="en-US" smtClean="0"/>
               <a:t>单击此处编辑母版文本样式</a:t>
             </a:r>
+            <a:endParaRPr lang="zh-CN" altLang="en-US" smtClean="0"/>
           </a:p>
           <a:p>
             <a:pPr lvl="1"/>
@@ -1191,6 +1178,7 @@
               <a:rPr lang="zh-CN" altLang="en-US" smtClean="0"/>
               <a:t>第二级</a:t>
             </a:r>
+            <a:endParaRPr lang="zh-CN" altLang="en-US" smtClean="0"/>
           </a:p>
           <a:p>
             <a:pPr lvl="2"/>
@@ -1198,6 +1186,7 @@
               <a:rPr lang="zh-CN" altLang="en-US" smtClean="0"/>
               <a:t>第三级</a:t>
             </a:r>
+            <a:endParaRPr lang="zh-CN" altLang="en-US" smtClean="0"/>
           </a:p>
           <a:p>
             <a:pPr lvl="3"/>
@@ -1205,6 +1194,7 @@
               <a:rPr lang="zh-CN" altLang="en-US" smtClean="0"/>
               <a:t>第四级</a:t>
             </a:r>
+            <a:endParaRPr lang="zh-CN" altLang="en-US" smtClean="0"/>
           </a:p>
           <a:p>
             <a:pPr lvl="4"/>
@@ -1233,7 +1223,6 @@
           <a:p>
             <a:fld id="{D997B5FA-0921-464F-AAE1-844C04324D75}" type="datetimeFigureOut">
               <a:rPr lang="zh-CN" altLang="en-US" smtClean="0"/>
-              <a:t>2015/5/5</a:t>
             </a:fld>
             <a:endParaRPr lang="zh-CN" altLang="en-US"/>
           </a:p>
@@ -1275,18 +1264,12 @@
           <a:p>
             <a:fld id="{565CE74E-AB26-4998-AD42-012C4C1AD076}" type="slidenum">
               <a:rPr lang="zh-CN" altLang="en-US" smtClean="0"/>
-              <a:t>‹#›</a:t>
             </a:fld>
             <a:endParaRPr lang="zh-CN" altLang="en-US"/>
           </a:p>
         </p:txBody>
       </p:sp>
     </p:spTree>
-    <p:extLst>
-      <p:ext uri="{BB962C8B-B14F-4D97-AF65-F5344CB8AC3E}">
-        <p14:creationId xmlns:p14="http://schemas.microsoft.com/office/powerpoint/2010/main" val="2905825717"/>
-      </p:ext>
-    </p:extLst>
   </p:cSld>
   <p:clrMapOvr>
     <a:masterClrMapping/>
@@ -1401,6 +1384,7 @@
               <a:rPr lang="zh-CN" altLang="en-US" smtClean="0"/>
               <a:t>单击此处编辑母版文本样式</a:t>
             </a:r>
+            <a:endParaRPr lang="zh-CN" altLang="en-US" smtClean="0"/>
           </a:p>
         </p:txBody>
       </p:sp>
@@ -1429,6 +1413,7 @@
               <a:rPr lang="zh-CN" altLang="en-US" smtClean="0"/>
               <a:t>单击此处编辑母版文本样式</a:t>
             </a:r>
+            <a:endParaRPr lang="zh-CN" altLang="en-US" smtClean="0"/>
           </a:p>
           <a:p>
             <a:pPr lvl="1"/>
@@ -1436,6 +1421,7 @@
               <a:rPr lang="zh-CN" altLang="en-US" smtClean="0"/>
               <a:t>第二级</a:t>
             </a:r>
+            <a:endParaRPr lang="zh-CN" altLang="en-US" smtClean="0"/>
           </a:p>
           <a:p>
             <a:pPr lvl="2"/>
@@ -1443,6 +1429,7 @@
               <a:rPr lang="zh-CN" altLang="en-US" smtClean="0"/>
               <a:t>第三级</a:t>
             </a:r>
+            <a:endParaRPr lang="zh-CN" altLang="en-US" smtClean="0"/>
           </a:p>
           <a:p>
             <a:pPr lvl="3"/>
@@ -1450,6 +1437,7 @@
               <a:rPr lang="zh-CN" altLang="en-US" smtClean="0"/>
               <a:t>第四级</a:t>
             </a:r>
+            <a:endParaRPr lang="zh-CN" altLang="en-US" smtClean="0"/>
           </a:p>
           <a:p>
             <a:pPr lvl="4"/>
@@ -1523,6 +1511,7 @@
               <a:rPr lang="zh-CN" altLang="en-US" smtClean="0"/>
               <a:t>单击此处编辑母版文本样式</a:t>
             </a:r>
+            <a:endParaRPr lang="zh-CN" altLang="en-US" smtClean="0"/>
           </a:p>
         </p:txBody>
       </p:sp>
@@ -1551,6 +1540,7 @@
               <a:rPr lang="zh-CN" altLang="en-US" smtClean="0"/>
               <a:t>单击此处编辑母版文本样式</a:t>
             </a:r>
+            <a:endParaRPr lang="zh-CN" altLang="en-US" smtClean="0"/>
           </a:p>
           <a:p>
             <a:pPr lvl="1"/>
@@ -1558,6 +1548,7 @@
               <a:rPr lang="zh-CN" altLang="en-US" smtClean="0"/>
               <a:t>第二级</a:t>
             </a:r>
+            <a:endParaRPr lang="zh-CN" altLang="en-US" smtClean="0"/>
           </a:p>
           <a:p>
             <a:pPr lvl="2"/>
@@ -1565,6 +1556,7 @@
               <a:rPr lang="zh-CN" altLang="en-US" smtClean="0"/>
               <a:t>第三级</a:t>
             </a:r>
+            <a:endParaRPr lang="zh-CN" altLang="en-US" smtClean="0"/>
           </a:p>
           <a:p>
             <a:pPr lvl="3"/>
@@ -1572,6 +1564,7 @@
               <a:rPr lang="zh-CN" altLang="en-US" smtClean="0"/>
               <a:t>第四级</a:t>
             </a:r>
+            <a:endParaRPr lang="zh-CN" altLang="en-US" smtClean="0"/>
           </a:p>
           <a:p>
             <a:pPr lvl="4"/>
@@ -1600,7 +1593,6 @@
           <a:p>
             <a:fld id="{D997B5FA-0921-464F-AAE1-844C04324D75}" type="datetimeFigureOut">
               <a:rPr lang="zh-CN" altLang="en-US" smtClean="0"/>
-              <a:t>2015/5/5</a:t>
             </a:fld>
             <a:endParaRPr lang="zh-CN" altLang="en-US"/>
           </a:p>
@@ -1642,18 +1634,12 @@
           <a:p>
             <a:fld id="{565CE74E-AB26-4998-AD42-012C4C1AD076}" type="slidenum">
               <a:rPr lang="zh-CN" altLang="en-US" smtClean="0"/>
-              <a:t>‹#›</a:t>
             </a:fld>
             <a:endParaRPr lang="zh-CN" altLang="en-US"/>
           </a:p>
         </p:txBody>
       </p:sp>
     </p:spTree>
-    <p:extLst>
-      <p:ext uri="{BB962C8B-B14F-4D97-AF65-F5344CB8AC3E}">
-        <p14:creationId xmlns:p14="http://schemas.microsoft.com/office/powerpoint/2010/main" val="168117047"/>
-      </p:ext>
-    </p:extLst>
   </p:cSld>
   <p:clrMapOvr>
     <a:masterClrMapping/>
@@ -1718,7 +1704,6 @@
           <a:p>
             <a:fld id="{D997B5FA-0921-464F-AAE1-844C04324D75}" type="datetimeFigureOut">
               <a:rPr lang="zh-CN" altLang="en-US" smtClean="0"/>
-              <a:t>2015/5/5</a:t>
             </a:fld>
             <a:endParaRPr lang="zh-CN" altLang="en-US"/>
           </a:p>
@@ -1760,18 +1745,12 @@
           <a:p>
             <a:fld id="{565CE74E-AB26-4998-AD42-012C4C1AD076}" type="slidenum">
               <a:rPr lang="zh-CN" altLang="en-US" smtClean="0"/>
-              <a:t>‹#›</a:t>
             </a:fld>
             <a:endParaRPr lang="zh-CN" altLang="en-US"/>
           </a:p>
         </p:txBody>
       </p:sp>
     </p:spTree>
-    <p:extLst>
-      <p:ext uri="{BB962C8B-B14F-4D97-AF65-F5344CB8AC3E}">
-        <p14:creationId xmlns:p14="http://schemas.microsoft.com/office/powerpoint/2010/main" val="2764406021"/>
-      </p:ext>
-    </p:extLst>
   </p:cSld>
   <p:clrMapOvr>
     <a:masterClrMapping/>
@@ -1813,7 +1792,6 @@
           <a:p>
             <a:fld id="{D997B5FA-0921-464F-AAE1-844C04324D75}" type="datetimeFigureOut">
               <a:rPr lang="zh-CN" altLang="en-US" smtClean="0"/>
-              <a:t>2015/5/5</a:t>
             </a:fld>
             <a:endParaRPr lang="zh-CN" altLang="en-US"/>
           </a:p>
@@ -1855,18 +1833,12 @@
           <a:p>
             <a:fld id="{565CE74E-AB26-4998-AD42-012C4C1AD076}" type="slidenum">
               <a:rPr lang="zh-CN" altLang="en-US" smtClean="0"/>
-              <a:t>‹#›</a:t>
             </a:fld>
             <a:endParaRPr lang="zh-CN" altLang="en-US"/>
           </a:p>
         </p:txBody>
       </p:sp>
     </p:spTree>
-    <p:extLst>
-      <p:ext uri="{BB962C8B-B14F-4D97-AF65-F5344CB8AC3E}">
-        <p14:creationId xmlns:p14="http://schemas.microsoft.com/office/powerpoint/2010/main" val="276523006"/>
-      </p:ext>
-    </p:extLst>
   </p:cSld>
   <p:clrMapOvr>
     <a:masterClrMapping/>
@@ -1976,6 +1948,7 @@
               <a:rPr lang="zh-CN" altLang="en-US" smtClean="0"/>
               <a:t>单击此处编辑母版文本样式</a:t>
             </a:r>
+            <a:endParaRPr lang="zh-CN" altLang="en-US" smtClean="0"/>
           </a:p>
           <a:p>
             <a:pPr lvl="1"/>
@@ -1983,6 +1956,7 @@
               <a:rPr lang="zh-CN" altLang="en-US" smtClean="0"/>
               <a:t>第二级</a:t>
             </a:r>
+            <a:endParaRPr lang="zh-CN" altLang="en-US" smtClean="0"/>
           </a:p>
           <a:p>
             <a:pPr lvl="2"/>
@@ -1990,6 +1964,7 @@
               <a:rPr lang="zh-CN" altLang="en-US" smtClean="0"/>
               <a:t>第三级</a:t>
             </a:r>
+            <a:endParaRPr lang="zh-CN" altLang="en-US" smtClean="0"/>
           </a:p>
           <a:p>
             <a:pPr lvl="3"/>
@@ -1997,6 +1972,7 @@
               <a:rPr lang="zh-CN" altLang="en-US" smtClean="0"/>
               <a:t>第四级</a:t>
             </a:r>
+            <a:endParaRPr lang="zh-CN" altLang="en-US" smtClean="0"/>
           </a:p>
           <a:p>
             <a:pPr lvl="4"/>
@@ -2070,6 +2046,7 @@
               <a:rPr lang="zh-CN" altLang="en-US" smtClean="0"/>
               <a:t>单击此处编辑母版文本样式</a:t>
             </a:r>
+            <a:endParaRPr lang="zh-CN" altLang="en-US" smtClean="0"/>
           </a:p>
         </p:txBody>
       </p:sp>
@@ -2090,7 +2067,6 @@
           <a:p>
             <a:fld id="{D997B5FA-0921-464F-AAE1-844C04324D75}" type="datetimeFigureOut">
               <a:rPr lang="zh-CN" altLang="en-US" smtClean="0"/>
-              <a:t>2015/5/5</a:t>
             </a:fld>
             <a:endParaRPr lang="zh-CN" altLang="en-US"/>
           </a:p>
@@ -2132,18 +2108,12 @@
           <a:p>
             <a:fld id="{565CE74E-AB26-4998-AD42-012C4C1AD076}" type="slidenum">
               <a:rPr lang="zh-CN" altLang="en-US" smtClean="0"/>
-              <a:t>‹#›</a:t>
             </a:fld>
             <a:endParaRPr lang="zh-CN" altLang="en-US"/>
           </a:p>
         </p:txBody>
       </p:sp>
     </p:spTree>
-    <p:extLst>
-      <p:ext uri="{BB962C8B-B14F-4D97-AF65-F5344CB8AC3E}">
-        <p14:creationId xmlns:p14="http://schemas.microsoft.com/office/powerpoint/2010/main" val="694758376"/>
-      </p:ext>
-    </p:extLst>
   </p:cSld>
   <p:clrMapOvr>
     <a:masterClrMapping/>
@@ -2323,6 +2293,7 @@
               <a:rPr lang="zh-CN" altLang="en-US" smtClean="0"/>
               <a:t>单击此处编辑母版文本样式</a:t>
             </a:r>
+            <a:endParaRPr lang="zh-CN" altLang="en-US" smtClean="0"/>
           </a:p>
         </p:txBody>
       </p:sp>
@@ -2343,7 +2314,6 @@
           <a:p>
             <a:fld id="{D997B5FA-0921-464F-AAE1-844C04324D75}" type="datetimeFigureOut">
               <a:rPr lang="zh-CN" altLang="en-US" smtClean="0"/>
-              <a:t>2015/5/5</a:t>
             </a:fld>
             <a:endParaRPr lang="zh-CN" altLang="en-US"/>
           </a:p>
@@ -2385,18 +2355,12 @@
           <a:p>
             <a:fld id="{565CE74E-AB26-4998-AD42-012C4C1AD076}" type="slidenum">
               <a:rPr lang="zh-CN" altLang="en-US" smtClean="0"/>
-              <a:t>‹#›</a:t>
             </a:fld>
             <a:endParaRPr lang="zh-CN" altLang="en-US"/>
           </a:p>
         </p:txBody>
       </p:sp>
     </p:spTree>
-    <p:extLst>
-      <p:ext uri="{BB962C8B-B14F-4D97-AF65-F5344CB8AC3E}">
-        <p14:creationId xmlns:p14="http://schemas.microsoft.com/office/powerpoint/2010/main" val="477805659"/>
-      </p:ext>
-    </p:extLst>
   </p:cSld>
   <p:clrMapOvr>
     <a:masterClrMapping/>
@@ -2489,6 +2453,7 @@
               <a:rPr lang="zh-CN" altLang="en-US" smtClean="0"/>
               <a:t>单击此处编辑母版文本样式</a:t>
             </a:r>
+            <a:endParaRPr lang="zh-CN" altLang="en-US" smtClean="0"/>
           </a:p>
           <a:p>
             <a:pPr lvl="1"/>
@@ -2496,6 +2461,7 @@
               <a:rPr lang="zh-CN" altLang="en-US" smtClean="0"/>
               <a:t>第二级</a:t>
             </a:r>
+            <a:endParaRPr lang="zh-CN" altLang="en-US" smtClean="0"/>
           </a:p>
           <a:p>
             <a:pPr lvl="2"/>
@@ -2503,6 +2469,7 @@
               <a:rPr lang="zh-CN" altLang="en-US" smtClean="0"/>
               <a:t>第三级</a:t>
             </a:r>
+            <a:endParaRPr lang="zh-CN" altLang="en-US" smtClean="0"/>
           </a:p>
           <a:p>
             <a:pPr lvl="3"/>
@@ -2510,6 +2477,7 @@
               <a:rPr lang="zh-CN" altLang="en-US" smtClean="0"/>
               <a:t>第四级</a:t>
             </a:r>
+            <a:endParaRPr lang="zh-CN" altLang="en-US" smtClean="0"/>
           </a:p>
           <a:p>
             <a:pPr lvl="4"/>
@@ -2556,7 +2524,6 @@
           <a:p>
             <a:fld id="{D997B5FA-0921-464F-AAE1-844C04324D75}" type="datetimeFigureOut">
               <a:rPr lang="zh-CN" altLang="en-US" smtClean="0"/>
-              <a:t>2015/5/5</a:t>
             </a:fld>
             <a:endParaRPr lang="zh-CN" altLang="en-US"/>
           </a:p>
@@ -2634,18 +2601,12 @@
           <a:p>
             <a:fld id="{565CE74E-AB26-4998-AD42-012C4C1AD076}" type="slidenum">
               <a:rPr lang="zh-CN" altLang="en-US" smtClean="0"/>
-              <a:t>‹#›</a:t>
             </a:fld>
             <a:endParaRPr lang="zh-CN" altLang="en-US"/>
           </a:p>
         </p:txBody>
       </p:sp>
     </p:spTree>
-    <p:extLst>
-      <p:ext uri="{BB962C8B-B14F-4D97-AF65-F5344CB8AC3E}">
-        <p14:creationId xmlns:p14="http://schemas.microsoft.com/office/powerpoint/2010/main" val="2003094035"/>
-      </p:ext>
-    </p:extLst>
   </p:cSld>
   <p:clrMap bg1="lt1" tx1="dk1" bg2="lt2" tx2="dk2" accent1="accent1" accent2="accent2" accent3="accent3" accent4="accent4" accent5="accent5" accent6="accent6" hlink="hlink" folHlink="folHlink"/>
   <p:sldLayoutIdLst>
@@ -2944,6 +2905,118 @@
 </p:sldMaster>
 </file>
 
+<file path=ppt/slides/slide1.xml><?xml version="1.0" encoding="utf-8"?>
+<p:sld xmlns:a="http://schemas.openxmlformats.org/drawingml/2006/main" xmlns:r="http://schemas.openxmlformats.org/officeDocument/2006/relationships" xmlns:p="http://schemas.openxmlformats.org/presentationml/2006/main">
+  <p:cSld>
+    <p:spTree>
+      <p:nvGrpSpPr>
+        <p:cNvPr id="1" name=""/>
+        <p:cNvGrpSpPr/>
+        <p:nvPr/>
+      </p:nvGrpSpPr>
+      <p:grpSpPr/>
+      <p:sp>
+        <p:nvSpPr>
+          <p:cNvPr id="2" name="标题 1"/>
+          <p:cNvSpPr>
+            <a:spLocks noGrp="1"/>
+          </p:cNvSpPr>
+          <p:nvPr>
+            <p:ph type="ctrTitle"/>
+          </p:nvPr>
+        </p:nvSpPr>
+        <p:spPr/>
+        <p:txBody>
+          <a:bodyPr/>
+          <a:p>
+            <a:endParaRPr lang="zh-CN" altLang="en-US"/>
+          </a:p>
+        </p:txBody>
+      </p:sp>
+      <p:sp>
+        <p:nvSpPr>
+          <p:cNvPr id="3" name="副标题 2"/>
+          <p:cNvSpPr>
+            <a:spLocks noGrp="1"/>
+          </p:cNvSpPr>
+          <p:nvPr>
+            <p:ph type="subTitle" idx="1"/>
+          </p:nvPr>
+        </p:nvSpPr>
+        <p:spPr/>
+        <p:txBody>
+          <a:bodyPr/>
+          <a:p>
+            <a:endParaRPr lang="zh-CN" altLang="en-US"/>
+          </a:p>
+        </p:txBody>
+      </p:sp>
+    </p:spTree>
+  </p:cSld>
+  <p:clrMapOvr>
+    <a:masterClrMapping/>
+  </p:clrMapOvr>
+</p:sld>
+</file>
+
+<file path=ppt/slides/slide2.xml><?xml version="1.0" encoding="utf-8"?>
+<p:sld xmlns:a="http://schemas.openxmlformats.org/drawingml/2006/main" xmlns:r="http://schemas.openxmlformats.org/officeDocument/2006/relationships" xmlns:p="http://schemas.openxmlformats.org/presentationml/2006/main">
+  <p:cSld>
+    <p:spTree>
+      <p:nvGrpSpPr>
+        <p:cNvPr id="1" name=""/>
+        <p:cNvGrpSpPr/>
+        <p:nvPr/>
+      </p:nvGrpSpPr>
+      <p:grpSpPr/>
+      <p:sp>
+        <p:nvSpPr>
+          <p:cNvPr id="2" name="标题 1"/>
+          <p:cNvSpPr>
+            <a:spLocks noGrp="1"/>
+          </p:cNvSpPr>
+          <p:nvPr>
+            <p:ph type="title"/>
+          </p:nvPr>
+        </p:nvSpPr>
+        <p:spPr/>
+        <p:txBody>
+          <a:bodyPr/>
+          <a:p>
+            <a:r>
+              <a:rPr lang="en-US" altLang="zh-CN"/>
+              <a:t>shhh</a:t>
+            </a:r>
+            <a:endParaRPr lang="en-US" altLang="zh-CN"/>
+          </a:p>
+        </p:txBody>
+      </p:sp>
+      <p:sp>
+        <p:nvSpPr>
+          <p:cNvPr id="3" name="内容占位符 2"/>
+          <p:cNvSpPr>
+            <a:spLocks noGrp="1"/>
+          </p:cNvSpPr>
+          <p:nvPr>
+            <p:ph idx="1"/>
+          </p:nvPr>
+        </p:nvSpPr>
+        <p:spPr/>
+        <p:txBody>
+          <a:bodyPr/>
+          <a:p>
+            <a:endParaRPr lang="zh-CN" altLang="en-US"/>
+          </a:p>
+        </p:txBody>
+      </p:sp>
+    </p:spTree>
+  </p:cSld>
+  <p:clrMapOvr>
+    <a:masterClrMapping/>
+  </p:clrMapOvr>
+</p:sld>
+</file>
+
 <file path=ppt/theme/theme1.xml><?xml version="1.0" encoding="utf-8"?>
 <a:theme xmlns:a="http://schemas.openxmlformats.org/drawingml/2006/main" name="Office 主题">
   <a:themeElements>
@@ -3195,8 +3268,6 @@
       </a:bgFillStyleLst>
     </a:fmtScheme>
   </a:themeElements>
-  <a:objectDefaults/>
-  <a:extraClrSchemeLst/>
   <a:extLst>
     <a:ext uri="{05A4C25C-085E-4340-85A3-A5531E510DB2}">
       <thm15:themeFamily xmlns:thm15="http://schemas.microsoft.com/office/thememl/2012/main" name="Office Theme" id="{62F939B6-93AF-4DB8-9C6B-D6C7DFDC589F}" vid="{4A3C46E8-61CC-4603-A589-7422A47A8E4A}"/>
